--- a/Courses/Applied-Programmer/Programming-Fundamentals/07-Речници-и-хеш-таблици/28. Сортирани речници.pptx
+++ b/Courses/Applied-Programmer/Programming-Fundamentals/07-Речници-и-хеш-таблици/28. Сортирани речници.pptx
@@ -337,7 +337,7 @@
             <a:fld id="{FE5B4EDC-59C0-49C7-8ADA-5A781B329E02}" type="datetimeFigureOut">
               <a:rPr lang="en-US"/>
               <a:pPr/>
-              <a:t>16-Dec-19</a:t>
+              <a:t>13-Nov-20</a:t>
             </a:fld>
             <a:endParaRPr dirty="0"/>
           </a:p>
@@ -635,7 +635,7 @@
             <a:fld id="{F2D8D46A-B586-417D-BFBD-8C8FE0AAF762}" type="datetimeFigureOut">
               <a:rPr lang="en-US" smtClean="0"/>
               <a:pPr/>
-              <a:t>16-Dec-19</a:t>
+              <a:t>13-Nov-20</a:t>
             </a:fld>
             <a:endParaRPr lang="en-US" dirty="0"/>
           </a:p>
@@ -13646,6 +13646,149 @@
           </a:p>
         </p:txBody>
       </p:sp>
+      <p:sp>
+        <p:nvSpPr>
+          <p:cNvPr id="15" name="Rectangle 14"/>
+          <p:cNvSpPr/>
+          <p:nvPr/>
+        </p:nvSpPr>
+        <p:spPr>
+          <a:xfrm>
+            <a:off x="2360612" y="6243935"/>
+            <a:ext cx="7647030" cy="461665"/>
+          </a:xfrm>
+          <a:prstGeom prst="rect">
+            <a:avLst/>
+          </a:prstGeom>
+        </p:spPr>
+        <p:txBody>
+          <a:bodyPr wrap="none">
+            <a:spAutoFit/>
+          </a:bodyPr>
+          <a:lstStyle>
+            <a:defPPr>
+              <a:defRPr lang="en-US"/>
+            </a:defPPr>
+            <a:lvl1pPr marL="0" algn="l" defTabSz="1218987" rtl="0" eaLnBrk="1" latinLnBrk="0" hangingPunct="1">
+              <a:defRPr sz="2400" kern="1200">
+                <a:solidFill>
+                  <a:schemeClr val="tx1"/>
+                </a:solidFill>
+                <a:latin typeface="+mn-lt"/>
+                <a:ea typeface="+mn-ea"/>
+                <a:cs typeface="+mn-cs"/>
+              </a:defRPr>
+            </a:lvl1pPr>
+            <a:lvl2pPr marL="609493" algn="l" defTabSz="1218987" rtl="0" eaLnBrk="1" latinLnBrk="0" hangingPunct="1">
+              <a:defRPr sz="2400" kern="1200">
+                <a:solidFill>
+                  <a:schemeClr val="tx1"/>
+                </a:solidFill>
+                <a:latin typeface="+mn-lt"/>
+                <a:ea typeface="+mn-ea"/>
+                <a:cs typeface="+mn-cs"/>
+              </a:defRPr>
+            </a:lvl2pPr>
+            <a:lvl3pPr marL="1218987" algn="l" defTabSz="1218987" rtl="0" eaLnBrk="1" latinLnBrk="0" hangingPunct="1">
+              <a:defRPr sz="2400" kern="1200">
+                <a:solidFill>
+                  <a:schemeClr val="tx1"/>
+                </a:solidFill>
+                <a:latin typeface="+mn-lt"/>
+                <a:ea typeface="+mn-ea"/>
+                <a:cs typeface="+mn-cs"/>
+              </a:defRPr>
+            </a:lvl3pPr>
+            <a:lvl4pPr marL="1828480" algn="l" defTabSz="1218987" rtl="0" eaLnBrk="1" latinLnBrk="0" hangingPunct="1">
+              <a:defRPr sz="2400" kern="1200">
+                <a:solidFill>
+                  <a:schemeClr val="tx1"/>
+                </a:solidFill>
+                <a:latin typeface="+mn-lt"/>
+                <a:ea typeface="+mn-ea"/>
+                <a:cs typeface="+mn-cs"/>
+              </a:defRPr>
+            </a:lvl4pPr>
+            <a:lvl5pPr marL="2437973" algn="l" defTabSz="1218987" rtl="0" eaLnBrk="1" latinLnBrk="0" hangingPunct="1">
+              <a:defRPr sz="2400" kern="1200">
+                <a:solidFill>
+                  <a:schemeClr val="tx1"/>
+                </a:solidFill>
+                <a:latin typeface="+mn-lt"/>
+                <a:ea typeface="+mn-ea"/>
+                <a:cs typeface="+mn-cs"/>
+              </a:defRPr>
+            </a:lvl5pPr>
+            <a:lvl6pPr marL="3047467" algn="l" defTabSz="1218987" rtl="0" eaLnBrk="1" latinLnBrk="0" hangingPunct="1">
+              <a:defRPr sz="2400" kern="1200">
+                <a:solidFill>
+                  <a:schemeClr val="tx1"/>
+                </a:solidFill>
+                <a:latin typeface="+mn-lt"/>
+                <a:ea typeface="+mn-ea"/>
+                <a:cs typeface="+mn-cs"/>
+              </a:defRPr>
+            </a:lvl6pPr>
+            <a:lvl7pPr marL="3656960" algn="l" defTabSz="1218987" rtl="0" eaLnBrk="1" latinLnBrk="0" hangingPunct="1">
+              <a:defRPr sz="2400" kern="1200">
+                <a:solidFill>
+                  <a:schemeClr val="tx1"/>
+                </a:solidFill>
+                <a:latin typeface="+mn-lt"/>
+                <a:ea typeface="+mn-ea"/>
+                <a:cs typeface="+mn-cs"/>
+              </a:defRPr>
+            </a:lvl7pPr>
+            <a:lvl8pPr marL="4266453" algn="l" defTabSz="1218987" rtl="0" eaLnBrk="1" latinLnBrk="0" hangingPunct="1">
+              <a:defRPr sz="2400" kern="1200">
+                <a:solidFill>
+                  <a:schemeClr val="tx1"/>
+                </a:solidFill>
+                <a:latin typeface="+mn-lt"/>
+                <a:ea typeface="+mn-ea"/>
+                <a:cs typeface="+mn-cs"/>
+              </a:defRPr>
+            </a:lvl8pPr>
+            <a:lvl9pPr marL="4875947" algn="l" defTabSz="1218987" rtl="0" eaLnBrk="1" latinLnBrk="0" hangingPunct="1">
+              <a:defRPr sz="2400" kern="1200">
+                <a:solidFill>
+                  <a:schemeClr val="tx1"/>
+                </a:solidFill>
+                <a:latin typeface="+mn-lt"/>
+                <a:ea typeface="+mn-ea"/>
+                <a:cs typeface="+mn-cs"/>
+              </a:defRPr>
+            </a:lvl9pPr>
+          </a:lstStyle>
+          <a:p>
+            <a:r>
+              <a:rPr lang="bg-BG" dirty="0" smtClean="0"/>
+              <a:t>Тествайте</a:t>
+            </a:r>
+            <a:r>
+              <a:rPr lang="en-US" dirty="0" smtClean="0"/>
+              <a:t> </a:t>
+            </a:r>
+            <a:r>
+              <a:rPr lang="en-US" dirty="0"/>
+              <a:t>в Judge: </a:t>
+            </a:r>
+            <a:r>
+              <a:rPr lang="en-US" dirty="0">
+                <a:hlinkClick r:id="rId2"/>
+              </a:rPr>
+              <a:t>https://</a:t>
+            </a:r>
+            <a:r>
+              <a:rPr lang="en-US" dirty="0" smtClean="0">
+                <a:hlinkClick r:id="rId2"/>
+              </a:rPr>
+              <a:t>judge.softuni.bg/Contests/2670</a:t>
+            </a:r>
+            <a:endParaRPr lang="en-US" dirty="0"/>
+          </a:p>
+        </p:txBody>
+      </p:sp>
     </p:spTree>
     <p:extLst>
       <p:ext uri="{BB962C8B-B14F-4D97-AF65-F5344CB8AC3E}">
@@ -14412,6 +14555,149 @@
                 </a:prstClr>
               </a:solidFill>
             </a:endParaRPr>
+          </a:p>
+        </p:txBody>
+      </p:sp>
+      <p:sp>
+        <p:nvSpPr>
+          <p:cNvPr id="8" name="Rectangle 7"/>
+          <p:cNvSpPr/>
+          <p:nvPr/>
+        </p:nvSpPr>
+        <p:spPr>
+          <a:xfrm>
+            <a:off x="2360612" y="6243935"/>
+            <a:ext cx="7647030" cy="461665"/>
+          </a:xfrm>
+          <a:prstGeom prst="rect">
+            <a:avLst/>
+          </a:prstGeom>
+        </p:spPr>
+        <p:txBody>
+          <a:bodyPr wrap="none">
+            <a:spAutoFit/>
+          </a:bodyPr>
+          <a:lstStyle>
+            <a:defPPr>
+              <a:defRPr lang="en-US"/>
+            </a:defPPr>
+            <a:lvl1pPr marL="0" algn="l" defTabSz="1218987" rtl="0" eaLnBrk="1" latinLnBrk="0" hangingPunct="1">
+              <a:defRPr sz="2400" kern="1200">
+                <a:solidFill>
+                  <a:schemeClr val="tx1"/>
+                </a:solidFill>
+                <a:latin typeface="+mn-lt"/>
+                <a:ea typeface="+mn-ea"/>
+                <a:cs typeface="+mn-cs"/>
+              </a:defRPr>
+            </a:lvl1pPr>
+            <a:lvl2pPr marL="609493" algn="l" defTabSz="1218987" rtl="0" eaLnBrk="1" latinLnBrk="0" hangingPunct="1">
+              <a:defRPr sz="2400" kern="1200">
+                <a:solidFill>
+                  <a:schemeClr val="tx1"/>
+                </a:solidFill>
+                <a:latin typeface="+mn-lt"/>
+                <a:ea typeface="+mn-ea"/>
+                <a:cs typeface="+mn-cs"/>
+              </a:defRPr>
+            </a:lvl2pPr>
+            <a:lvl3pPr marL="1218987" algn="l" defTabSz="1218987" rtl="0" eaLnBrk="1" latinLnBrk="0" hangingPunct="1">
+              <a:defRPr sz="2400" kern="1200">
+                <a:solidFill>
+                  <a:schemeClr val="tx1"/>
+                </a:solidFill>
+                <a:latin typeface="+mn-lt"/>
+                <a:ea typeface="+mn-ea"/>
+                <a:cs typeface="+mn-cs"/>
+              </a:defRPr>
+            </a:lvl3pPr>
+            <a:lvl4pPr marL="1828480" algn="l" defTabSz="1218987" rtl="0" eaLnBrk="1" latinLnBrk="0" hangingPunct="1">
+              <a:defRPr sz="2400" kern="1200">
+                <a:solidFill>
+                  <a:schemeClr val="tx1"/>
+                </a:solidFill>
+                <a:latin typeface="+mn-lt"/>
+                <a:ea typeface="+mn-ea"/>
+                <a:cs typeface="+mn-cs"/>
+              </a:defRPr>
+            </a:lvl4pPr>
+            <a:lvl5pPr marL="2437973" algn="l" defTabSz="1218987" rtl="0" eaLnBrk="1" latinLnBrk="0" hangingPunct="1">
+              <a:defRPr sz="2400" kern="1200">
+                <a:solidFill>
+                  <a:schemeClr val="tx1"/>
+                </a:solidFill>
+                <a:latin typeface="+mn-lt"/>
+                <a:ea typeface="+mn-ea"/>
+                <a:cs typeface="+mn-cs"/>
+              </a:defRPr>
+            </a:lvl5pPr>
+            <a:lvl6pPr marL="3047467" algn="l" defTabSz="1218987" rtl="0" eaLnBrk="1" latinLnBrk="0" hangingPunct="1">
+              <a:defRPr sz="2400" kern="1200">
+                <a:solidFill>
+                  <a:schemeClr val="tx1"/>
+                </a:solidFill>
+                <a:latin typeface="+mn-lt"/>
+                <a:ea typeface="+mn-ea"/>
+                <a:cs typeface="+mn-cs"/>
+              </a:defRPr>
+            </a:lvl6pPr>
+            <a:lvl7pPr marL="3656960" algn="l" defTabSz="1218987" rtl="0" eaLnBrk="1" latinLnBrk="0" hangingPunct="1">
+              <a:defRPr sz="2400" kern="1200">
+                <a:solidFill>
+                  <a:schemeClr val="tx1"/>
+                </a:solidFill>
+                <a:latin typeface="+mn-lt"/>
+                <a:ea typeface="+mn-ea"/>
+                <a:cs typeface="+mn-cs"/>
+              </a:defRPr>
+            </a:lvl7pPr>
+            <a:lvl8pPr marL="4266453" algn="l" defTabSz="1218987" rtl="0" eaLnBrk="1" latinLnBrk="0" hangingPunct="1">
+              <a:defRPr sz="2400" kern="1200">
+                <a:solidFill>
+                  <a:schemeClr val="tx1"/>
+                </a:solidFill>
+                <a:latin typeface="+mn-lt"/>
+                <a:ea typeface="+mn-ea"/>
+                <a:cs typeface="+mn-cs"/>
+              </a:defRPr>
+            </a:lvl8pPr>
+            <a:lvl9pPr marL="4875947" algn="l" defTabSz="1218987" rtl="0" eaLnBrk="1" latinLnBrk="0" hangingPunct="1">
+              <a:defRPr sz="2400" kern="1200">
+                <a:solidFill>
+                  <a:schemeClr val="tx1"/>
+                </a:solidFill>
+                <a:latin typeface="+mn-lt"/>
+                <a:ea typeface="+mn-ea"/>
+                <a:cs typeface="+mn-cs"/>
+              </a:defRPr>
+            </a:lvl9pPr>
+          </a:lstStyle>
+          <a:p>
+            <a:r>
+              <a:rPr lang="bg-BG" dirty="0" smtClean="0"/>
+              <a:t>Тествайте</a:t>
+            </a:r>
+            <a:r>
+              <a:rPr lang="en-US" dirty="0" smtClean="0"/>
+              <a:t> </a:t>
+            </a:r>
+            <a:r>
+              <a:rPr lang="en-US" dirty="0"/>
+              <a:t>в Judge: </a:t>
+            </a:r>
+            <a:r>
+              <a:rPr lang="en-US" dirty="0">
+                <a:hlinkClick r:id="rId2"/>
+              </a:rPr>
+              <a:t>https://</a:t>
+            </a:r>
+            <a:r>
+              <a:rPr lang="en-US" dirty="0" smtClean="0">
+                <a:hlinkClick r:id="rId2"/>
+              </a:rPr>
+              <a:t>judge.softuni.bg/Contests/2670</a:t>
+            </a:r>
+            <a:endParaRPr lang="en-US" dirty="0"/>
           </a:p>
         </p:txBody>
       </p:sp>
